--- a/Images/FEDRA.pptx
+++ b/Images/FEDRA.pptx
@@ -6,6 +6,7 @@
   </p:sldMasterIdLst>
   <p:sldIdLst>
     <p:sldId id="256" r:id="rId2"/>
+    <p:sldId id="257" r:id="rId3"/>
   </p:sldIdLst>
   <p:sldSz cx="9144000" cy="6858000" type="screen4x3"/>
   <p:notesSz cx="6858000" cy="9144000"/>
@@ -104,6 +105,11 @@
       </a:defRPr>
     </a:lvl9pPr>
   </p:defaultTextStyle>
+  <p:extLst>
+    <p:ext uri="{EFAFB233-063F-42B5-8137-9DF3F51BA10A}">
+      <p15:sldGuideLst xmlns:p15="http://schemas.microsoft.com/office/powerpoint/2012/main"/>
+    </p:ext>
+  </p:extLst>
 </p:presentation>
 </file>
 
@@ -238,7 +244,7 @@
           <a:p>
             <a:fld id="{953F6E52-2D55-406E-9958-5459233ECEE5}" type="datetimeFigureOut">
               <a:rPr lang="fr-FR" smtClean="0"/>
-              <a:t>16/09/2024</a:t>
+              <a:t>18/09/2024</a:t>
             </a:fld>
             <a:endParaRPr lang="fr-FR"/>
           </a:p>
@@ -408,7 +414,7 @@
           <a:p>
             <a:fld id="{953F6E52-2D55-406E-9958-5459233ECEE5}" type="datetimeFigureOut">
               <a:rPr lang="fr-FR" smtClean="0"/>
-              <a:t>16/09/2024</a:t>
+              <a:t>18/09/2024</a:t>
             </a:fld>
             <a:endParaRPr lang="fr-FR"/>
           </a:p>
@@ -588,7 +594,7 @@
           <a:p>
             <a:fld id="{953F6E52-2D55-406E-9958-5459233ECEE5}" type="datetimeFigureOut">
               <a:rPr lang="fr-FR" smtClean="0"/>
-              <a:t>16/09/2024</a:t>
+              <a:t>18/09/2024</a:t>
             </a:fld>
             <a:endParaRPr lang="fr-FR"/>
           </a:p>
@@ -758,7 +764,7 @@
           <a:p>
             <a:fld id="{953F6E52-2D55-406E-9958-5459233ECEE5}" type="datetimeFigureOut">
               <a:rPr lang="fr-FR" smtClean="0"/>
-              <a:t>16/09/2024</a:t>
+              <a:t>18/09/2024</a:t>
             </a:fld>
             <a:endParaRPr lang="fr-FR"/>
           </a:p>
@@ -1004,7 +1010,7 @@
           <a:p>
             <a:fld id="{953F6E52-2D55-406E-9958-5459233ECEE5}" type="datetimeFigureOut">
               <a:rPr lang="fr-FR" smtClean="0"/>
-              <a:t>16/09/2024</a:t>
+              <a:t>18/09/2024</a:t>
             </a:fld>
             <a:endParaRPr lang="fr-FR"/>
           </a:p>
@@ -1236,7 +1242,7 @@
           <a:p>
             <a:fld id="{953F6E52-2D55-406E-9958-5459233ECEE5}" type="datetimeFigureOut">
               <a:rPr lang="fr-FR" smtClean="0"/>
-              <a:t>16/09/2024</a:t>
+              <a:t>18/09/2024</a:t>
             </a:fld>
             <a:endParaRPr lang="fr-FR"/>
           </a:p>
@@ -1603,7 +1609,7 @@
           <a:p>
             <a:fld id="{953F6E52-2D55-406E-9958-5459233ECEE5}" type="datetimeFigureOut">
               <a:rPr lang="fr-FR" smtClean="0"/>
-              <a:t>16/09/2024</a:t>
+              <a:t>18/09/2024</a:t>
             </a:fld>
             <a:endParaRPr lang="fr-FR"/>
           </a:p>
@@ -1721,7 +1727,7 @@
           <a:p>
             <a:fld id="{953F6E52-2D55-406E-9958-5459233ECEE5}" type="datetimeFigureOut">
               <a:rPr lang="fr-FR" smtClean="0"/>
-              <a:t>16/09/2024</a:t>
+              <a:t>18/09/2024</a:t>
             </a:fld>
             <a:endParaRPr lang="fr-FR"/>
           </a:p>
@@ -1816,7 +1822,7 @@
           <a:p>
             <a:fld id="{953F6E52-2D55-406E-9958-5459233ECEE5}" type="datetimeFigureOut">
               <a:rPr lang="fr-FR" smtClean="0"/>
-              <a:t>16/09/2024</a:t>
+              <a:t>18/09/2024</a:t>
             </a:fld>
             <a:endParaRPr lang="fr-FR"/>
           </a:p>
@@ -2093,7 +2099,7 @@
           <a:p>
             <a:fld id="{953F6E52-2D55-406E-9958-5459233ECEE5}" type="datetimeFigureOut">
               <a:rPr lang="fr-FR" smtClean="0"/>
-              <a:t>16/09/2024</a:t>
+              <a:t>18/09/2024</a:t>
             </a:fld>
             <a:endParaRPr lang="fr-FR"/>
           </a:p>
@@ -2350,7 +2356,7 @@
           <a:p>
             <a:fld id="{953F6E52-2D55-406E-9958-5459233ECEE5}" type="datetimeFigureOut">
               <a:rPr lang="fr-FR" smtClean="0"/>
-              <a:t>16/09/2024</a:t>
+              <a:t>18/09/2024</a:t>
             </a:fld>
             <a:endParaRPr lang="fr-FR"/>
           </a:p>
@@ -2563,7 +2569,7 @@
           <a:p>
             <a:fld id="{953F6E52-2D55-406E-9958-5459233ECEE5}" type="datetimeFigureOut">
               <a:rPr lang="fr-FR" smtClean="0"/>
-              <a:t>16/09/2024</a:t>
+              <a:t>18/09/2024</a:t>
             </a:fld>
             <a:endParaRPr lang="fr-FR"/>
           </a:p>
@@ -3714,8 +3720,8 @@
         </p:nvSpPr>
         <p:spPr>
           <a:xfrm>
-            <a:off x="229513" y="1508054"/>
-            <a:ext cx="4086544" cy="5015732"/>
+            <a:off x="229513" y="1517198"/>
+            <a:ext cx="4086544" cy="4688015"/>
           </a:xfrm>
           <a:prstGeom prst="rect">
             <a:avLst/>
@@ -3733,7 +3739,7 @@
               <a:rPr lang="fr-FR" sz="4400" b="1" dirty="0">
                 <a:latin typeface="Bahnschrift Light Condensed" panose="020B0502040204020203" pitchFamily="34" charset="0"/>
               </a:rPr>
-              <a:t>Manual</a:t>
+              <a:t>Manual: Scanning</a:t>
             </a:r>
             <a:endParaRPr lang="fr-FR" sz="2000" b="1" dirty="0">
               <a:latin typeface="Bahnschrift Light Condensed" panose="020B0502040204020203" pitchFamily="34" charset="0"/>
@@ -3753,6 +3759,15 @@
             <a:endParaRPr lang="en-US" sz="2000" dirty="0">
               <a:latin typeface="Bahnschrift Light Condensed" panose="020B0502040204020203" pitchFamily="34" charset="0"/>
             </a:endParaRPr>
+          </a:p>
+          <a:p>
+            <a:pPr algn="just"/>
+            <a:r>
+              <a:rPr lang="en-US" sz="1900" dirty="0">
+                <a:latin typeface="Bahnschrift Light Condensed" panose="020B0502040204020203" pitchFamily="34" charset="0"/>
+              </a:rPr>
+              <a:t>1. Select “Scanning” mode via the pad.</a:t>
+            </a:r>
           </a:p>
           <a:p>
             <a:pPr algn="just">
@@ -3761,10 +3776,10 @@
               </a:lnSpc>
             </a:pPr>
             <a:r>
-              <a:rPr lang="en-US" sz="2000" dirty="0">
+              <a:rPr lang="en-US" sz="1900" dirty="0">
                 <a:latin typeface="Bahnschrift Light Condensed" panose="020B0502040204020203" pitchFamily="34" charset="0"/>
               </a:rPr>
-              <a:t>1. Configure the device and choose the detection mode using the button pad.</a:t>
+              <a:t>2. Configure the device and choose the detection mode using the button pad.</a:t>
             </a:r>
           </a:p>
           <a:p>
@@ -3774,10 +3789,10 @@
               </a:lnSpc>
             </a:pPr>
             <a:r>
-              <a:rPr lang="en-US" sz="2000" dirty="0">
+              <a:rPr lang="en-US" sz="1900" dirty="0">
                 <a:latin typeface="Bahnschrift Light Condensed" panose="020B0502040204020203" pitchFamily="34" charset="0"/>
               </a:rPr>
-              <a:t>2. Press the red button to activate the scanner.</a:t>
+              <a:t>3. Press the red button to activate the scanner.</a:t>
             </a:r>
           </a:p>
           <a:p>
@@ -3787,10 +3802,10 @@
               </a:lnSpc>
             </a:pPr>
             <a:r>
-              <a:rPr lang="en-US" sz="2000" dirty="0">
+              <a:rPr lang="en-US" sz="1900" dirty="0">
                 <a:latin typeface="Bahnschrift Light Condensed" panose="020B0502040204020203" pitchFamily="34" charset="0"/>
               </a:rPr>
-              <a:t>3. Point the scanner at the subject's neck.</a:t>
+              <a:t>4. Point the scanner at the subject's neck.</a:t>
             </a:r>
           </a:p>
           <a:p>
@@ -3800,12 +3815,12 @@
               </a:lnSpc>
             </a:pPr>
             <a:r>
-              <a:rPr lang="en-US" sz="2000" dirty="0">
+              <a:rPr lang="en-US" sz="1900" dirty="0">
                 <a:latin typeface="Bahnschrift Light Condensed" panose="020B0502040204020203" pitchFamily="34" charset="0"/>
               </a:rPr>
-              <a:t>4. A sound will play, and once it finishes, the screen will light up: green for negative (not infected), red for positive (infected).</a:t>
-            </a:r>
-            <a:endParaRPr lang="fr-FR" sz="2000" dirty="0">
+              <a:t>5. A sound will play, and once it finishes, the screen will light up: green for negative (not infected), red for positive (infected).</a:t>
+            </a:r>
+            <a:endParaRPr lang="fr-FR" sz="1900" dirty="0">
               <a:latin typeface="Bahnschrift Light Condensed" panose="020B0502040204020203" pitchFamily="34" charset="0"/>
             </a:endParaRPr>
           </a:p>
@@ -4734,6 +4749,1684 @@
 </p:sld>
 </file>
 
+<file path=ppt/slides/slide2.xml><?xml version="1.0" encoding="utf-8"?>
+<p:sld xmlns:a="http://schemas.openxmlformats.org/drawingml/2006/main" xmlns:r="http://schemas.openxmlformats.org/officeDocument/2006/relationships" xmlns:p="http://schemas.openxmlformats.org/presentationml/2006/main">
+  <p:cSld>
+    <p:spTree>
+      <p:nvGrpSpPr>
+        <p:cNvPr id="1" name=""/>
+        <p:cNvGrpSpPr/>
+        <p:nvPr/>
+      </p:nvGrpSpPr>
+      <p:grpSpPr>
+        <a:xfrm>
+          <a:off x="0" y="0"/>
+          <a:ext cx="0" cy="0"/>
+          <a:chOff x="0" y="0"/>
+          <a:chExt cx="0" cy="0"/>
+        </a:xfrm>
+      </p:grpSpPr>
+      <p:sp>
+        <p:nvSpPr>
+          <p:cNvPr id="6" name="Rectangle 5">
+            <a:extLst>
+              <a:ext uri="{FF2B5EF4-FFF2-40B4-BE49-F238E27FC236}">
+                <a16:creationId xmlns:a16="http://schemas.microsoft.com/office/drawing/2014/main" id="{FC3B055C-A79E-4912-673E-4924F0EC2CAD}"/>
+              </a:ext>
+            </a:extLst>
+          </p:cNvPr>
+          <p:cNvSpPr/>
+          <p:nvPr/>
+        </p:nvSpPr>
+        <p:spPr>
+          <a:xfrm>
+            <a:off x="143435" y="116541"/>
+            <a:ext cx="8884024" cy="1057835"/>
+          </a:xfrm>
+          <a:prstGeom prst="rect">
+            <a:avLst/>
+          </a:prstGeom>
+          <a:solidFill>
+            <a:srgbClr val="352E28"/>
+          </a:solidFill>
+        </p:spPr>
+        <p:style>
+          <a:lnRef idx="2">
+            <a:schemeClr val="accent1">
+              <a:shade val="15000"/>
+            </a:schemeClr>
+          </a:lnRef>
+          <a:fillRef idx="1">
+            <a:schemeClr val="accent1"/>
+          </a:fillRef>
+          <a:effectRef idx="0">
+            <a:schemeClr val="accent1"/>
+          </a:effectRef>
+          <a:fontRef idx="minor">
+            <a:schemeClr val="lt1"/>
+          </a:fontRef>
+        </p:style>
+        <p:txBody>
+          <a:bodyPr rtlCol="0" anchor="ctr"/>
+          <a:lstStyle/>
+          <a:p>
+            <a:pPr algn="ctr"/>
+            <a:endParaRPr lang="fr-FR" dirty="0">
+              <a:solidFill>
+                <a:schemeClr val="bg1"/>
+              </a:solidFill>
+            </a:endParaRPr>
+          </a:p>
+        </p:txBody>
+      </p:sp>
+      <p:pic>
+        <p:nvPicPr>
+          <p:cNvPr id="1026" name="Picture 2" descr="The Last of Us Part II Game Documents Bundle New Fanmade – 2Fast2See">
+            <a:extLst>
+              <a:ext uri="{FF2B5EF4-FFF2-40B4-BE49-F238E27FC236}">
+                <a16:creationId xmlns:a16="http://schemas.microsoft.com/office/drawing/2014/main" id="{85D213C0-E11B-A87A-2918-86A7C35AC185}"/>
+              </a:ext>
+            </a:extLst>
+          </p:cNvPr>
+          <p:cNvPicPr>
+            <a:picLocks noChangeAspect="1" noChangeArrowheads="1"/>
+          </p:cNvPicPr>
+          <p:nvPr/>
+        </p:nvPicPr>
+        <p:blipFill>
+          <a:blip r:embed="rId2">
+            <a:extLst>
+              <a:ext uri="{28A0092B-C50C-407E-A947-70E740481C1C}">
+                <a14:useLocalDpi xmlns:a14="http://schemas.microsoft.com/office/drawing/2010/main" val="0"/>
+              </a:ext>
+            </a:extLst>
+          </a:blip>
+          <a:srcRect/>
+          <a:stretch>
+            <a:fillRect/>
+          </a:stretch>
+        </p:blipFill>
+        <p:spPr bwMode="auto">
+          <a:xfrm>
+            <a:off x="-7214347" y="-159657"/>
+            <a:ext cx="6858000" cy="6858000"/>
+          </a:xfrm>
+          <a:prstGeom prst="rect">
+            <a:avLst/>
+          </a:prstGeom>
+          <a:noFill/>
+          <a:extLst>
+            <a:ext uri="{909E8E84-426E-40DD-AFC4-6F175D3DCCD1}">
+              <a14:hiddenFill xmlns:a14="http://schemas.microsoft.com/office/drawing/2010/main">
+                <a:solidFill>
+                  <a:srgbClr val="FFFFFF"/>
+                </a:solidFill>
+              </a14:hiddenFill>
+            </a:ext>
+          </a:extLst>
+        </p:spPr>
+      </p:pic>
+      <p:sp>
+        <p:nvSpPr>
+          <p:cNvPr id="7" name="Rectangle 6">
+            <a:extLst>
+              <a:ext uri="{FF2B5EF4-FFF2-40B4-BE49-F238E27FC236}">
+                <a16:creationId xmlns:a16="http://schemas.microsoft.com/office/drawing/2014/main" id="{8A2BA57F-DF16-5B9C-BB52-54710E31FC92}"/>
+              </a:ext>
+            </a:extLst>
+          </p:cNvPr>
+          <p:cNvSpPr/>
+          <p:nvPr/>
+        </p:nvSpPr>
+        <p:spPr>
+          <a:xfrm>
+            <a:off x="143435" y="1333499"/>
+            <a:ext cx="4250765" cy="5364843"/>
+          </a:xfrm>
+          <a:prstGeom prst="rect">
+            <a:avLst/>
+          </a:prstGeom>
+          <a:noFill/>
+        </p:spPr>
+        <p:style>
+          <a:lnRef idx="2">
+            <a:schemeClr val="accent1">
+              <a:shade val="15000"/>
+            </a:schemeClr>
+          </a:lnRef>
+          <a:fillRef idx="1">
+            <a:schemeClr val="accent1"/>
+          </a:fillRef>
+          <a:effectRef idx="0">
+            <a:schemeClr val="accent1"/>
+          </a:effectRef>
+          <a:fontRef idx="minor">
+            <a:schemeClr val="lt1"/>
+          </a:fontRef>
+        </p:style>
+        <p:txBody>
+          <a:bodyPr rtlCol="0" anchor="ctr"/>
+          <a:lstStyle/>
+          <a:p>
+            <a:pPr algn="ctr"/>
+            <a:endParaRPr lang="fr-FR"/>
+          </a:p>
+        </p:txBody>
+      </p:sp>
+      <p:pic>
+        <p:nvPicPr>
+          <p:cNvPr id="9" name="Image 8" descr="Une image contenant Emblème, logo, symbole, Marque&#10;&#10;Description générée automatiquement">
+            <a:extLst>
+              <a:ext uri="{FF2B5EF4-FFF2-40B4-BE49-F238E27FC236}">
+                <a16:creationId xmlns:a16="http://schemas.microsoft.com/office/drawing/2014/main" id="{C3EA12AD-F2AE-2F70-B75E-87B53F7ECB17}"/>
+              </a:ext>
+            </a:extLst>
+          </p:cNvPr>
+          <p:cNvPicPr>
+            <a:picLocks noChangeAspect="1"/>
+          </p:cNvPicPr>
+          <p:nvPr/>
+        </p:nvPicPr>
+        <p:blipFill>
+          <a:blip r:embed="rId3">
+            <a:extLst>
+              <a:ext uri="{28A0092B-C50C-407E-A947-70E740481C1C}">
+                <a14:useLocalDpi xmlns:a14="http://schemas.microsoft.com/office/drawing/2010/main" val="0"/>
+              </a:ext>
+            </a:extLst>
+          </a:blip>
+          <a:stretch>
+            <a:fillRect/>
+          </a:stretch>
+        </p:blipFill>
+        <p:spPr>
+          <a:xfrm>
+            <a:off x="143435" y="57629"/>
+            <a:ext cx="1175657" cy="1175657"/>
+          </a:xfrm>
+          <a:prstGeom prst="rect">
+            <a:avLst/>
+          </a:prstGeom>
+        </p:spPr>
+      </p:pic>
+      <p:pic>
+        <p:nvPicPr>
+          <p:cNvPr id="15" name="Image 14">
+            <a:extLst>
+              <a:ext uri="{FF2B5EF4-FFF2-40B4-BE49-F238E27FC236}">
+                <a16:creationId xmlns:a16="http://schemas.microsoft.com/office/drawing/2014/main" id="{C1077F38-6070-ED21-1A99-B72EDA98531C}"/>
+              </a:ext>
+            </a:extLst>
+          </p:cNvPr>
+          <p:cNvPicPr>
+            <a:picLocks noChangeAspect="1"/>
+          </p:cNvPicPr>
+          <p:nvPr/>
+        </p:nvPicPr>
+        <p:blipFill>
+          <a:blip r:embed="rId4"/>
+          <a:stretch>
+            <a:fillRect/>
+          </a:stretch>
+        </p:blipFill>
+        <p:spPr>
+          <a:xfrm>
+            <a:off x="-3235872" y="7713127"/>
+            <a:ext cx="6988451" cy="6858000"/>
+          </a:xfrm>
+          <a:prstGeom prst="rect">
+            <a:avLst/>
+          </a:prstGeom>
+        </p:spPr>
+      </p:pic>
+      <p:grpSp>
+        <p:nvGrpSpPr>
+          <p:cNvPr id="23" name="Groupe 22">
+            <a:extLst>
+              <a:ext uri="{FF2B5EF4-FFF2-40B4-BE49-F238E27FC236}">
+                <a16:creationId xmlns:a16="http://schemas.microsoft.com/office/drawing/2014/main" id="{FDE45510-313E-6B9A-1A2D-78221E3F80D9}"/>
+              </a:ext>
+            </a:extLst>
+          </p:cNvPr>
+          <p:cNvGrpSpPr/>
+          <p:nvPr/>
+        </p:nvGrpSpPr>
+        <p:grpSpPr>
+          <a:xfrm>
+            <a:off x="2650273" y="8236974"/>
+            <a:ext cx="4353835" cy="6513443"/>
+            <a:chOff x="2650273" y="8236974"/>
+            <a:chExt cx="4353835" cy="6513443"/>
+          </a:xfrm>
+        </p:grpSpPr>
+        <p:sp>
+          <p:nvSpPr>
+            <p:cNvPr id="16" name="Rectangle 15">
+              <a:extLst>
+                <a:ext uri="{FF2B5EF4-FFF2-40B4-BE49-F238E27FC236}">
+                  <a16:creationId xmlns:a16="http://schemas.microsoft.com/office/drawing/2014/main" id="{F0EFF40C-EA51-06DF-2C1F-39A23985E22B}"/>
+                </a:ext>
+              </a:extLst>
+            </p:cNvPr>
+            <p:cNvSpPr/>
+            <p:nvPr/>
+          </p:nvSpPr>
+          <p:spPr>
+            <a:xfrm rot="2578906">
+              <a:off x="2650273" y="8987572"/>
+              <a:ext cx="1743026" cy="5762845"/>
+            </a:xfrm>
+            <a:prstGeom prst="rect">
+              <a:avLst/>
+            </a:prstGeom>
+            <a:noFill/>
+            <a:ln w="57150">
+              <a:solidFill>
+                <a:schemeClr val="tx1"/>
+              </a:solidFill>
+            </a:ln>
+          </p:spPr>
+          <p:style>
+            <a:lnRef idx="2">
+              <a:schemeClr val="accent1">
+                <a:shade val="15000"/>
+              </a:schemeClr>
+            </a:lnRef>
+            <a:fillRef idx="1">
+              <a:schemeClr val="accent1"/>
+            </a:fillRef>
+            <a:effectRef idx="0">
+              <a:schemeClr val="accent1"/>
+            </a:effectRef>
+            <a:fontRef idx="minor">
+              <a:schemeClr val="lt1"/>
+            </a:fontRef>
+          </p:style>
+          <p:txBody>
+            <a:bodyPr rtlCol="0" anchor="ctr"/>
+            <a:lstStyle/>
+            <a:p>
+              <a:pPr algn="ctr"/>
+              <a:endParaRPr lang="fr-FR"/>
+            </a:p>
+          </p:txBody>
+        </p:sp>
+        <p:sp>
+          <p:nvSpPr>
+            <p:cNvPr id="18" name="Rectangle 17">
+              <a:extLst>
+                <a:ext uri="{FF2B5EF4-FFF2-40B4-BE49-F238E27FC236}">
+                  <a16:creationId xmlns:a16="http://schemas.microsoft.com/office/drawing/2014/main" id="{52540C6E-A5DF-E768-28F9-88549E9999CF}"/>
+                </a:ext>
+              </a:extLst>
+            </p:cNvPr>
+            <p:cNvSpPr/>
+            <p:nvPr/>
+          </p:nvSpPr>
+          <p:spPr>
+            <a:xfrm rot="2578906">
+              <a:off x="4694055" y="8753341"/>
+              <a:ext cx="2310053" cy="1135229"/>
+            </a:xfrm>
+            <a:prstGeom prst="rect">
+              <a:avLst/>
+            </a:prstGeom>
+            <a:noFill/>
+            <a:ln w="57150">
+              <a:solidFill>
+                <a:schemeClr val="tx1"/>
+              </a:solidFill>
+            </a:ln>
+          </p:spPr>
+          <p:style>
+            <a:lnRef idx="2">
+              <a:schemeClr val="accent1">
+                <a:shade val="15000"/>
+              </a:schemeClr>
+            </a:lnRef>
+            <a:fillRef idx="1">
+              <a:schemeClr val="accent1"/>
+            </a:fillRef>
+            <a:effectRef idx="0">
+              <a:schemeClr val="accent1"/>
+            </a:effectRef>
+            <a:fontRef idx="minor">
+              <a:schemeClr val="lt1"/>
+            </a:fontRef>
+          </p:style>
+          <p:txBody>
+            <a:bodyPr rtlCol="0" anchor="ctr"/>
+            <a:lstStyle/>
+            <a:p>
+              <a:pPr algn="ctr"/>
+              <a:endParaRPr lang="fr-FR"/>
+            </a:p>
+          </p:txBody>
+        </p:sp>
+        <p:sp>
+          <p:nvSpPr>
+            <p:cNvPr id="19" name="Rectangle 18">
+              <a:extLst>
+                <a:ext uri="{FF2B5EF4-FFF2-40B4-BE49-F238E27FC236}">
+                  <a16:creationId xmlns:a16="http://schemas.microsoft.com/office/drawing/2014/main" id="{FA104931-993A-3853-55B1-333E4FF7F58B}"/>
+                </a:ext>
+              </a:extLst>
+            </p:cNvPr>
+            <p:cNvSpPr/>
+            <p:nvPr/>
+          </p:nvSpPr>
+          <p:spPr>
+            <a:xfrm rot="2578906">
+              <a:off x="4805604" y="8236974"/>
+              <a:ext cx="242269" cy="376403"/>
+            </a:xfrm>
+            <a:prstGeom prst="rect">
+              <a:avLst/>
+            </a:prstGeom>
+            <a:noFill/>
+            <a:ln w="57150">
+              <a:solidFill>
+                <a:schemeClr val="tx1"/>
+              </a:solidFill>
+            </a:ln>
+          </p:spPr>
+          <p:style>
+            <a:lnRef idx="2">
+              <a:schemeClr val="accent1">
+                <a:shade val="15000"/>
+              </a:schemeClr>
+            </a:lnRef>
+            <a:fillRef idx="1">
+              <a:schemeClr val="accent1"/>
+            </a:fillRef>
+            <a:effectRef idx="0">
+              <a:schemeClr val="accent1"/>
+            </a:effectRef>
+            <a:fontRef idx="minor">
+              <a:schemeClr val="lt1"/>
+            </a:fontRef>
+          </p:style>
+          <p:txBody>
+            <a:bodyPr rtlCol="0" anchor="ctr"/>
+            <a:lstStyle/>
+            <a:p>
+              <a:pPr algn="ctr"/>
+              <a:endParaRPr lang="fr-FR"/>
+            </a:p>
+          </p:txBody>
+        </p:sp>
+      </p:grpSp>
+      <p:sp>
+        <p:nvSpPr>
+          <p:cNvPr id="33" name="ZoneTexte 32">
+            <a:extLst>
+              <a:ext uri="{FF2B5EF4-FFF2-40B4-BE49-F238E27FC236}">
+                <a16:creationId xmlns:a16="http://schemas.microsoft.com/office/drawing/2014/main" id="{E20A6241-91F5-866A-EDDF-9C9713B078D5}"/>
+              </a:ext>
+            </a:extLst>
+          </p:cNvPr>
+          <p:cNvSpPr txBox="1"/>
+          <p:nvPr/>
+        </p:nvSpPr>
+        <p:spPr>
+          <a:xfrm>
+            <a:off x="1213236" y="-16263"/>
+            <a:ext cx="2818400" cy="1323439"/>
+          </a:xfrm>
+          <a:prstGeom prst="rect">
+            <a:avLst/>
+          </a:prstGeom>
+          <a:noFill/>
+        </p:spPr>
+        <p:txBody>
+          <a:bodyPr wrap="none" rtlCol="0">
+            <a:spAutoFit/>
+          </a:bodyPr>
+          <a:lstStyle/>
+          <a:p>
+            <a:r>
+              <a:rPr lang="fr-FR" sz="8000" b="1" dirty="0">
+                <a:solidFill>
+                  <a:schemeClr val="bg1"/>
+                </a:solidFill>
+                <a:latin typeface="Bahnschrift SemiCondensed" panose="020B0502040204020203" pitchFamily="34" charset="0"/>
+              </a:rPr>
+              <a:t>FEDRA</a:t>
+            </a:r>
+          </a:p>
+        </p:txBody>
+      </p:sp>
+      <p:sp>
+        <p:nvSpPr>
+          <p:cNvPr id="34" name="ZoneTexte 33">
+            <a:extLst>
+              <a:ext uri="{FF2B5EF4-FFF2-40B4-BE49-F238E27FC236}">
+                <a16:creationId xmlns:a16="http://schemas.microsoft.com/office/drawing/2014/main" id="{573F7673-9C2B-30E6-7E04-CED1F4C8FED3}"/>
+              </a:ext>
+            </a:extLst>
+          </p:cNvPr>
+          <p:cNvSpPr txBox="1"/>
+          <p:nvPr/>
+        </p:nvSpPr>
+        <p:spPr>
+          <a:xfrm>
+            <a:off x="4222657" y="232624"/>
+            <a:ext cx="5204058" cy="830997"/>
+          </a:xfrm>
+          <a:prstGeom prst="rect">
+            <a:avLst/>
+          </a:prstGeom>
+          <a:noFill/>
+        </p:spPr>
+        <p:txBody>
+          <a:bodyPr wrap="square" rtlCol="0">
+            <a:spAutoFit/>
+          </a:bodyPr>
+          <a:lstStyle/>
+          <a:p>
+            <a:r>
+              <a:rPr lang="fr-FR" sz="4800" dirty="0">
+                <a:solidFill>
+                  <a:schemeClr val="bg1"/>
+                </a:solidFill>
+                <a:latin typeface="Bernard MT Condensed" panose="02050806060905020404" pitchFamily="18" charset="0"/>
+              </a:rPr>
+              <a:t>INFECTION SCANNER</a:t>
+            </a:r>
+          </a:p>
+        </p:txBody>
+      </p:sp>
+      <p:pic>
+        <p:nvPicPr>
+          <p:cNvPr id="36" name="Image 35">
+            <a:extLst>
+              <a:ext uri="{FF2B5EF4-FFF2-40B4-BE49-F238E27FC236}">
+                <a16:creationId xmlns:a16="http://schemas.microsoft.com/office/drawing/2014/main" id="{B90255AC-8158-051D-B60A-6F9CFD074849}"/>
+              </a:ext>
+            </a:extLst>
+          </p:cNvPr>
+          <p:cNvPicPr>
+            <a:picLocks noChangeAspect="1"/>
+          </p:cNvPicPr>
+          <p:nvPr/>
+        </p:nvPicPr>
+        <p:blipFill>
+          <a:blip r:embed="rId5"/>
+          <a:stretch>
+            <a:fillRect/>
+          </a:stretch>
+        </p:blipFill>
+        <p:spPr>
+          <a:xfrm>
+            <a:off x="-6117395" y="-7525049"/>
+            <a:ext cx="3973215" cy="6858000"/>
+          </a:xfrm>
+          <a:prstGeom prst="rect">
+            <a:avLst/>
+          </a:prstGeom>
+        </p:spPr>
+      </p:pic>
+      <p:pic>
+        <p:nvPicPr>
+          <p:cNvPr id="43" name="Image 42" descr="Une image contenant capture d’écran, Modélisation 3D, Compositing numérique&#10;&#10;Description générée automatiquement">
+            <a:extLst>
+              <a:ext uri="{FF2B5EF4-FFF2-40B4-BE49-F238E27FC236}">
+                <a16:creationId xmlns:a16="http://schemas.microsoft.com/office/drawing/2014/main" id="{8E1745AE-1801-3D30-83FD-5E3A4C93F03F}"/>
+              </a:ext>
+            </a:extLst>
+          </p:cNvPr>
+          <p:cNvPicPr>
+            <a:picLocks noChangeAspect="1"/>
+          </p:cNvPicPr>
+          <p:nvPr/>
+        </p:nvPicPr>
+        <p:blipFill>
+          <a:blip r:embed="rId6">
+            <a:extLst>
+              <a:ext uri="{28A0092B-C50C-407E-A947-70E740481C1C}">
+                <a14:useLocalDpi xmlns:a14="http://schemas.microsoft.com/office/drawing/2010/main" val="0"/>
+              </a:ext>
+            </a:extLst>
+          </a:blip>
+          <a:stretch>
+            <a:fillRect/>
+          </a:stretch>
+        </p:blipFill>
+        <p:spPr>
+          <a:xfrm>
+            <a:off x="3752579" y="-7785282"/>
+            <a:ext cx="6858000" cy="6858000"/>
+          </a:xfrm>
+          <a:prstGeom prst="rect">
+            <a:avLst/>
+          </a:prstGeom>
+        </p:spPr>
+      </p:pic>
+      <p:pic>
+        <p:nvPicPr>
+          <p:cNvPr id="53" name="Image 52" descr="Une image contenant capture d’écran, Modélisation 3D&#10;&#10;Description générée automatiquement">
+            <a:extLst>
+              <a:ext uri="{FF2B5EF4-FFF2-40B4-BE49-F238E27FC236}">
+                <a16:creationId xmlns:a16="http://schemas.microsoft.com/office/drawing/2014/main" id="{F14B49EE-D55B-6AF1-B7D9-F54A70AF4F26}"/>
+              </a:ext>
+            </a:extLst>
+          </p:cNvPr>
+          <p:cNvPicPr>
+            <a:picLocks noChangeAspect="1"/>
+          </p:cNvPicPr>
+          <p:nvPr/>
+        </p:nvPicPr>
+        <p:blipFill>
+          <a:blip r:embed="rId7">
+            <a:extLst>
+              <a:ext uri="{28A0092B-C50C-407E-A947-70E740481C1C}">
+                <a14:useLocalDpi xmlns:a14="http://schemas.microsoft.com/office/drawing/2010/main" val="0"/>
+              </a:ext>
+            </a:extLst>
+          </a:blip>
+          <a:stretch>
+            <a:fillRect/>
+          </a:stretch>
+        </p:blipFill>
+        <p:spPr>
+          <a:xfrm>
+            <a:off x="12887458" y="-6012409"/>
+            <a:ext cx="6858000" cy="6858000"/>
+          </a:xfrm>
+          <a:prstGeom prst="rect">
+            <a:avLst/>
+          </a:prstGeom>
+        </p:spPr>
+      </p:pic>
+      <p:pic>
+        <p:nvPicPr>
+          <p:cNvPr id="57" name="Image 56" descr="Une image contenant noir, obscurité&#10;&#10;Description générée automatiquement">
+            <a:extLst>
+              <a:ext uri="{FF2B5EF4-FFF2-40B4-BE49-F238E27FC236}">
+                <a16:creationId xmlns:a16="http://schemas.microsoft.com/office/drawing/2014/main" id="{4BA62CA4-01DC-8162-7237-0D1D774714C6}"/>
+              </a:ext>
+            </a:extLst>
+          </p:cNvPr>
+          <p:cNvPicPr>
+            <a:picLocks noChangeAspect="1"/>
+          </p:cNvPicPr>
+          <p:nvPr/>
+        </p:nvPicPr>
+        <p:blipFill>
+          <a:blip r:embed="rId8">
+            <a:extLst>
+              <a:ext uri="{28A0092B-C50C-407E-A947-70E740481C1C}">
+                <a14:useLocalDpi xmlns:a14="http://schemas.microsoft.com/office/drawing/2010/main" val="0"/>
+              </a:ext>
+            </a:extLst>
+          </a:blip>
+          <a:stretch>
+            <a:fillRect/>
+          </a:stretch>
+        </p:blipFill>
+        <p:spPr>
+          <a:xfrm>
+            <a:off x="4617117" y="1397766"/>
+            <a:ext cx="783915" cy="820433"/>
+          </a:xfrm>
+          <a:prstGeom prst="rect">
+            <a:avLst/>
+          </a:prstGeom>
+        </p:spPr>
+      </p:pic>
+      <p:sp>
+        <p:nvSpPr>
+          <p:cNvPr id="1031" name="ZoneTexte 1030">
+            <a:extLst>
+              <a:ext uri="{FF2B5EF4-FFF2-40B4-BE49-F238E27FC236}">
+                <a16:creationId xmlns:a16="http://schemas.microsoft.com/office/drawing/2014/main" id="{05D3EF48-21BC-79B6-0CBB-8F33F4BA0E6E}"/>
+              </a:ext>
+            </a:extLst>
+          </p:cNvPr>
+          <p:cNvSpPr txBox="1"/>
+          <p:nvPr/>
+        </p:nvSpPr>
+        <p:spPr>
+          <a:xfrm>
+            <a:off x="225545" y="1366088"/>
+            <a:ext cx="4086544" cy="5218929"/>
+          </a:xfrm>
+          <a:prstGeom prst="rect">
+            <a:avLst/>
+          </a:prstGeom>
+          <a:noFill/>
+        </p:spPr>
+        <p:txBody>
+          <a:bodyPr wrap="square" rtlCol="0">
+            <a:spAutoFit/>
+          </a:bodyPr>
+          <a:lstStyle/>
+          <a:p>
+            <a:pPr algn="ctr"/>
+            <a:r>
+              <a:rPr lang="fr-FR" sz="4400" b="1" dirty="0">
+                <a:latin typeface="Bahnschrift Light Condensed" panose="020B0502040204020203" pitchFamily="34" charset="0"/>
+              </a:rPr>
+              <a:t>Manual: Spore </a:t>
+            </a:r>
+            <a:r>
+              <a:rPr lang="fr-FR" sz="4400" b="1" dirty="0" err="1">
+                <a:latin typeface="Bahnschrift Light Condensed" panose="020B0502040204020203" pitchFamily="34" charset="0"/>
+              </a:rPr>
+              <a:t>Detection</a:t>
+            </a:r>
+            <a:endParaRPr lang="fr-FR" sz="2000" b="1" dirty="0">
+              <a:latin typeface="Bahnschrift Light Condensed" panose="020B0502040204020203" pitchFamily="34" charset="0"/>
+            </a:endParaRPr>
+          </a:p>
+          <a:p>
+            <a:pPr algn="ctr"/>
+            <a:r>
+              <a:rPr lang="en-US" sz="2000" i="1" dirty="0">
+                <a:latin typeface="Bahnschrift Light Condensed" panose="020B0502040204020203" pitchFamily="34" charset="0"/>
+              </a:rPr>
+              <a:t>How to Use the Cordyceps Infection Scanner</a:t>
+            </a:r>
+          </a:p>
+          <a:p>
+            <a:pPr algn="just"/>
+            <a:endParaRPr lang="en-US" sz="2000" dirty="0">
+              <a:latin typeface="Bahnschrift Light Condensed" panose="020B0502040204020203" pitchFamily="34" charset="0"/>
+            </a:endParaRPr>
+          </a:p>
+          <a:p>
+            <a:pPr algn="just"/>
+            <a:r>
+              <a:rPr lang="en-US" sz="1900" dirty="0">
+                <a:latin typeface="Bahnschrift Light Condensed" panose="020B0502040204020203" pitchFamily="34" charset="0"/>
+              </a:rPr>
+              <a:t>1. Select “Spore Detection” mode using the button pad.</a:t>
+            </a:r>
+          </a:p>
+          <a:p>
+            <a:pPr algn="just">
+              <a:lnSpc>
+                <a:spcPct val="150000"/>
+              </a:lnSpc>
+            </a:pPr>
+            <a:r>
+              <a:rPr lang="en-US" sz="1900" dirty="0">
+                <a:latin typeface="Bahnschrift Light Condensed" panose="020B0502040204020203" pitchFamily="34" charset="0"/>
+              </a:rPr>
+              <a:t>2. As you approach a spore source, the device will emit a beeping sound.</a:t>
+            </a:r>
+          </a:p>
+          <a:p>
+            <a:pPr algn="just">
+              <a:lnSpc>
+                <a:spcPct val="150000"/>
+              </a:lnSpc>
+            </a:pPr>
+            <a:r>
+              <a:rPr lang="en-US" sz="1900" dirty="0">
+                <a:latin typeface="Bahnschrift Light Condensed" panose="020B0502040204020203" pitchFamily="34" charset="0"/>
+              </a:rPr>
+              <a:t>3. The frequency of the beeps increases as the spore concentration rises.</a:t>
+            </a:r>
+          </a:p>
+          <a:p>
+            <a:pPr algn="just">
+              <a:lnSpc>
+                <a:spcPct val="150000"/>
+              </a:lnSpc>
+            </a:pPr>
+            <a:r>
+              <a:rPr lang="en-US" sz="1900" dirty="0">
+                <a:latin typeface="Bahnschrift Light Condensed" panose="020B0502040204020203" pitchFamily="34" charset="0"/>
+              </a:rPr>
+              <a:t>4. Upon detecting a lethal dose of spores, the device will emit an urgent, alarming beep.</a:t>
+            </a:r>
+            <a:endParaRPr lang="fr-FR" sz="1900" dirty="0">
+              <a:latin typeface="Bahnschrift Light Condensed" panose="020B0502040204020203" pitchFamily="34" charset="0"/>
+            </a:endParaRPr>
+          </a:p>
+        </p:txBody>
+      </p:sp>
+      <p:grpSp>
+        <p:nvGrpSpPr>
+          <p:cNvPr id="1035" name="Groupe 1034">
+            <a:extLst>
+              <a:ext uri="{FF2B5EF4-FFF2-40B4-BE49-F238E27FC236}">
+                <a16:creationId xmlns:a16="http://schemas.microsoft.com/office/drawing/2014/main" id="{C54B6007-2307-E015-2AAA-2EB348C4D96A}"/>
+              </a:ext>
+            </a:extLst>
+          </p:cNvPr>
+          <p:cNvGrpSpPr/>
+          <p:nvPr/>
+        </p:nvGrpSpPr>
+        <p:grpSpPr>
+          <a:xfrm>
+            <a:off x="-838200" y="-8518196"/>
+            <a:ext cx="3295650" cy="7716538"/>
+            <a:chOff x="-838200" y="-8518196"/>
+            <a:chExt cx="3295650" cy="7716538"/>
+          </a:xfrm>
+        </p:grpSpPr>
+        <p:grpSp>
+          <p:nvGrpSpPr>
+            <p:cNvPr id="1027" name="Groupe 1026">
+              <a:extLst>
+                <a:ext uri="{FF2B5EF4-FFF2-40B4-BE49-F238E27FC236}">
+                  <a16:creationId xmlns:a16="http://schemas.microsoft.com/office/drawing/2014/main" id="{84E86037-7575-BF90-926D-B404E0BBFEF3}"/>
+                </a:ext>
+              </a:extLst>
+            </p:cNvPr>
+            <p:cNvGrpSpPr/>
+            <p:nvPr/>
+          </p:nvGrpSpPr>
+          <p:grpSpPr>
+            <a:xfrm>
+              <a:off x="-838200" y="-8518196"/>
+              <a:ext cx="3295650" cy="7716538"/>
+              <a:chOff x="-838200" y="-8518196"/>
+              <a:chExt cx="3295650" cy="7716538"/>
+            </a:xfrm>
+          </p:grpSpPr>
+          <p:grpSp>
+            <p:nvGrpSpPr>
+              <p:cNvPr id="51" name="Groupe 50">
+                <a:extLst>
+                  <a:ext uri="{FF2B5EF4-FFF2-40B4-BE49-F238E27FC236}">
+                    <a16:creationId xmlns:a16="http://schemas.microsoft.com/office/drawing/2014/main" id="{6C0CB942-185F-6B2E-0BD2-0A92B11652B3}"/>
+                  </a:ext>
+                </a:extLst>
+              </p:cNvPr>
+              <p:cNvGrpSpPr>
+                <a:grpSpLocks noChangeAspect="1"/>
+              </p:cNvGrpSpPr>
+              <p:nvPr/>
+            </p:nvGrpSpPr>
+            <p:grpSpPr>
+              <a:xfrm>
+                <a:off x="-838200" y="-8518196"/>
+                <a:ext cx="3295650" cy="7716538"/>
+                <a:chOff x="-838200" y="-7400748"/>
+                <a:chExt cx="2818400" cy="6599090"/>
+              </a:xfrm>
+            </p:grpSpPr>
+            <p:grpSp>
+              <p:nvGrpSpPr>
+                <p:cNvPr id="50" name="Groupe 49">
+                  <a:extLst>
+                    <a:ext uri="{FF2B5EF4-FFF2-40B4-BE49-F238E27FC236}">
+                      <a16:creationId xmlns:a16="http://schemas.microsoft.com/office/drawing/2014/main" id="{63CF78F7-E300-C2CE-32FA-A81DFACE11A1}"/>
+                    </a:ext>
+                  </a:extLst>
+                </p:cNvPr>
+                <p:cNvGrpSpPr>
+                  <a:grpSpLocks noChangeAspect="1"/>
+                </p:cNvGrpSpPr>
+                <p:nvPr/>
+              </p:nvGrpSpPr>
+              <p:grpSpPr>
+                <a:xfrm>
+                  <a:off x="-838200" y="-6581834"/>
+                  <a:ext cx="2818400" cy="5780176"/>
+                  <a:chOff x="-838200" y="-6581834"/>
+                  <a:chExt cx="2818400" cy="5780176"/>
+                </a:xfrm>
+              </p:grpSpPr>
+              <p:sp>
+                <p:nvSpPr>
+                  <p:cNvPr id="37" name="Rectangle 36">
+                    <a:extLst>
+                      <a:ext uri="{FF2B5EF4-FFF2-40B4-BE49-F238E27FC236}">
+                        <a16:creationId xmlns:a16="http://schemas.microsoft.com/office/drawing/2014/main" id="{1810032D-86DC-16C2-3F21-416BC6D2408C}"/>
+                      </a:ext>
+                    </a:extLst>
+                  </p:cNvPr>
+                  <p:cNvSpPr/>
+                  <p:nvPr/>
+                </p:nvSpPr>
+                <p:spPr>
+                  <a:xfrm>
+                    <a:off x="-838200" y="-6581834"/>
+                    <a:ext cx="2818400" cy="2648009"/>
+                  </a:xfrm>
+                  <a:prstGeom prst="rect">
+                    <a:avLst/>
+                  </a:prstGeom>
+                  <a:noFill/>
+                  <a:ln w="57150">
+                    <a:solidFill>
+                      <a:schemeClr val="tx1"/>
+                    </a:solidFill>
+                  </a:ln>
+                </p:spPr>
+                <p:style>
+                  <a:lnRef idx="2">
+                    <a:schemeClr val="accent1">
+                      <a:shade val="15000"/>
+                    </a:schemeClr>
+                  </a:lnRef>
+                  <a:fillRef idx="1">
+                    <a:schemeClr val="accent1"/>
+                  </a:fillRef>
+                  <a:effectRef idx="0">
+                    <a:schemeClr val="accent1"/>
+                  </a:effectRef>
+                  <a:fontRef idx="minor">
+                    <a:schemeClr val="lt1"/>
+                  </a:fontRef>
+                </p:style>
+                <p:txBody>
+                  <a:bodyPr rtlCol="0" anchor="ctr"/>
+                  <a:lstStyle/>
+                  <a:p>
+                    <a:pPr algn="ctr"/>
+                    <a:endParaRPr lang="fr-FR"/>
+                  </a:p>
+                </p:txBody>
+              </p:sp>
+              <p:sp>
+                <p:nvSpPr>
+                  <p:cNvPr id="38" name="Rectangle 37">
+                    <a:extLst>
+                      <a:ext uri="{FF2B5EF4-FFF2-40B4-BE49-F238E27FC236}">
+                        <a16:creationId xmlns:a16="http://schemas.microsoft.com/office/drawing/2014/main" id="{E8B765CD-062A-546B-4B20-7DFB2507A104}"/>
+                      </a:ext>
+                    </a:extLst>
+                  </p:cNvPr>
+                  <p:cNvSpPr/>
+                  <p:nvPr/>
+                </p:nvSpPr>
+                <p:spPr>
+                  <a:xfrm>
+                    <a:off x="-495300" y="-3933825"/>
+                    <a:ext cx="2162175" cy="3132167"/>
+                  </a:xfrm>
+                  <a:prstGeom prst="rect">
+                    <a:avLst/>
+                  </a:prstGeom>
+                  <a:noFill/>
+                  <a:ln w="57150">
+                    <a:solidFill>
+                      <a:schemeClr val="tx1"/>
+                    </a:solidFill>
+                  </a:ln>
+                </p:spPr>
+                <p:style>
+                  <a:lnRef idx="2">
+                    <a:schemeClr val="accent1">
+                      <a:shade val="15000"/>
+                    </a:schemeClr>
+                  </a:lnRef>
+                  <a:fillRef idx="1">
+                    <a:schemeClr val="accent1"/>
+                  </a:fillRef>
+                  <a:effectRef idx="0">
+                    <a:schemeClr val="accent1"/>
+                  </a:effectRef>
+                  <a:fontRef idx="minor">
+                    <a:schemeClr val="lt1"/>
+                  </a:fontRef>
+                </p:style>
+                <p:txBody>
+                  <a:bodyPr rtlCol="0" anchor="ctr"/>
+                  <a:lstStyle/>
+                  <a:p>
+                    <a:pPr algn="ctr"/>
+                    <a:endParaRPr lang="fr-FR"/>
+                  </a:p>
+                </p:txBody>
+              </p:sp>
+              <p:sp>
+                <p:nvSpPr>
+                  <p:cNvPr id="40" name="Rectangle 39">
+                    <a:extLst>
+                      <a:ext uri="{FF2B5EF4-FFF2-40B4-BE49-F238E27FC236}">
+                        <a16:creationId xmlns:a16="http://schemas.microsoft.com/office/drawing/2014/main" id="{BED71CE9-ADCC-5671-8439-45A769086A56}"/>
+                      </a:ext>
+                    </a:extLst>
+                  </p:cNvPr>
+                  <p:cNvSpPr/>
+                  <p:nvPr/>
+                </p:nvSpPr>
+                <p:spPr>
+                  <a:xfrm>
+                    <a:off x="-412750" y="-6155951"/>
+                    <a:ext cx="1924050" cy="1831602"/>
+                  </a:xfrm>
+                  <a:prstGeom prst="rect">
+                    <a:avLst/>
+                  </a:prstGeom>
+                  <a:solidFill>
+                    <a:srgbClr val="00B050"/>
+                  </a:solidFill>
+                  <a:ln w="19050">
+                    <a:solidFill>
+                      <a:schemeClr val="tx1"/>
+                    </a:solidFill>
+                  </a:ln>
+                </p:spPr>
+                <p:style>
+                  <a:lnRef idx="2">
+                    <a:schemeClr val="accent1">
+                      <a:shade val="15000"/>
+                    </a:schemeClr>
+                  </a:lnRef>
+                  <a:fillRef idx="1">
+                    <a:schemeClr val="accent1"/>
+                  </a:fillRef>
+                  <a:effectRef idx="0">
+                    <a:schemeClr val="accent1"/>
+                  </a:effectRef>
+                  <a:fontRef idx="minor">
+                    <a:schemeClr val="lt1"/>
+                  </a:fontRef>
+                </p:style>
+                <p:txBody>
+                  <a:bodyPr rtlCol="0" anchor="ctr"/>
+                  <a:lstStyle/>
+                  <a:p>
+                    <a:pPr algn="ctr"/>
+                    <a:endParaRPr lang="fr-FR"/>
+                  </a:p>
+                </p:txBody>
+              </p:sp>
+              <p:sp>
+                <p:nvSpPr>
+                  <p:cNvPr id="41" name="Ellipse 40">
+                    <a:extLst>
+                      <a:ext uri="{FF2B5EF4-FFF2-40B4-BE49-F238E27FC236}">
+                        <a16:creationId xmlns:a16="http://schemas.microsoft.com/office/drawing/2014/main" id="{AD1D65DF-8E3E-855A-5F2B-D4C35ABABD3C}"/>
+                      </a:ext>
+                    </a:extLst>
+                  </p:cNvPr>
+                  <p:cNvSpPr/>
+                  <p:nvPr/>
+                </p:nvSpPr>
+                <p:spPr>
+                  <a:xfrm>
+                    <a:off x="-228600" y="-1228725"/>
+                    <a:ext cx="219075" cy="209550"/>
+                  </a:xfrm>
+                  <a:prstGeom prst="ellipse">
+                    <a:avLst/>
+                  </a:prstGeom>
+                  <a:solidFill>
+                    <a:srgbClr val="8C3F35"/>
+                  </a:solidFill>
+                </p:spPr>
+                <p:style>
+                  <a:lnRef idx="2">
+                    <a:schemeClr val="accent1">
+                      <a:shade val="15000"/>
+                    </a:schemeClr>
+                  </a:lnRef>
+                  <a:fillRef idx="1">
+                    <a:schemeClr val="accent1"/>
+                  </a:fillRef>
+                  <a:effectRef idx="0">
+                    <a:schemeClr val="accent1"/>
+                  </a:effectRef>
+                  <a:fontRef idx="minor">
+                    <a:schemeClr val="lt1"/>
+                  </a:fontRef>
+                </p:style>
+                <p:txBody>
+                  <a:bodyPr rtlCol="0" anchor="ctr"/>
+                  <a:lstStyle/>
+                  <a:p>
+                    <a:pPr algn="ctr"/>
+                    <a:endParaRPr lang="fr-FR"/>
+                  </a:p>
+                </p:txBody>
+              </p:sp>
+              <p:sp>
+                <p:nvSpPr>
+                  <p:cNvPr id="44" name="Rectangle 43">
+                    <a:extLst>
+                      <a:ext uri="{FF2B5EF4-FFF2-40B4-BE49-F238E27FC236}">
+                        <a16:creationId xmlns:a16="http://schemas.microsoft.com/office/drawing/2014/main" id="{1D5D67C4-A5DD-4AAE-E768-C5BA1DA40734}"/>
+                      </a:ext>
+                    </a:extLst>
+                  </p:cNvPr>
+                  <p:cNvSpPr/>
+                  <p:nvPr/>
+                </p:nvSpPr>
+                <p:spPr>
+                  <a:xfrm>
+                    <a:off x="143435" y="-3189595"/>
+                    <a:ext cx="894790" cy="1333766"/>
+                  </a:xfrm>
+                  <a:prstGeom prst="rect">
+                    <a:avLst/>
+                  </a:prstGeom>
+                  <a:noFill/>
+                  <a:ln w="19050">
+                    <a:solidFill>
+                      <a:schemeClr val="tx1"/>
+                    </a:solidFill>
+                  </a:ln>
+                </p:spPr>
+                <p:style>
+                  <a:lnRef idx="2">
+                    <a:schemeClr val="accent1">
+                      <a:shade val="15000"/>
+                    </a:schemeClr>
+                  </a:lnRef>
+                  <a:fillRef idx="1">
+                    <a:schemeClr val="accent1"/>
+                  </a:fillRef>
+                  <a:effectRef idx="0">
+                    <a:schemeClr val="accent1"/>
+                  </a:effectRef>
+                  <a:fontRef idx="minor">
+                    <a:schemeClr val="lt1"/>
+                  </a:fontRef>
+                </p:style>
+                <p:txBody>
+                  <a:bodyPr rtlCol="0" anchor="ctr"/>
+                  <a:lstStyle/>
+                  <a:p>
+                    <a:pPr algn="ctr"/>
+                    <a:endParaRPr lang="fr-FR"/>
+                  </a:p>
+                </p:txBody>
+              </p:sp>
+              <p:sp>
+                <p:nvSpPr>
+                  <p:cNvPr id="45" name="Rectangle 44">
+                    <a:extLst>
+                      <a:ext uri="{FF2B5EF4-FFF2-40B4-BE49-F238E27FC236}">
+                        <a16:creationId xmlns:a16="http://schemas.microsoft.com/office/drawing/2014/main" id="{DF4490A6-D217-9A03-483E-743BB96C24C0}"/>
+                      </a:ext>
+                    </a:extLst>
+                  </p:cNvPr>
+                  <p:cNvSpPr/>
+                  <p:nvPr/>
+                </p:nvSpPr>
+                <p:spPr>
+                  <a:xfrm>
+                    <a:off x="143435" y="-3189596"/>
+                    <a:ext cx="894790" cy="451623"/>
+                  </a:xfrm>
+                  <a:prstGeom prst="rect">
+                    <a:avLst/>
+                  </a:prstGeom>
+                  <a:noFill/>
+                  <a:ln w="19050">
+                    <a:solidFill>
+                      <a:schemeClr val="tx1"/>
+                    </a:solidFill>
+                  </a:ln>
+                </p:spPr>
+                <p:style>
+                  <a:lnRef idx="2">
+                    <a:schemeClr val="accent1">
+                      <a:shade val="15000"/>
+                    </a:schemeClr>
+                  </a:lnRef>
+                  <a:fillRef idx="1">
+                    <a:schemeClr val="accent1"/>
+                  </a:fillRef>
+                  <a:effectRef idx="0">
+                    <a:schemeClr val="accent1"/>
+                  </a:effectRef>
+                  <a:fontRef idx="minor">
+                    <a:schemeClr val="lt1"/>
+                  </a:fontRef>
+                </p:style>
+                <p:txBody>
+                  <a:bodyPr rtlCol="0" anchor="ctr"/>
+                  <a:lstStyle/>
+                  <a:p>
+                    <a:pPr algn="ctr"/>
+                    <a:endParaRPr lang="fr-FR"/>
+                  </a:p>
+                </p:txBody>
+              </p:sp>
+              <p:sp>
+                <p:nvSpPr>
+                  <p:cNvPr id="46" name="Rectangle 45">
+                    <a:extLst>
+                      <a:ext uri="{FF2B5EF4-FFF2-40B4-BE49-F238E27FC236}">
+                        <a16:creationId xmlns:a16="http://schemas.microsoft.com/office/drawing/2014/main" id="{FEEBBEC7-81D0-F068-527D-552B1BEFBB53}"/>
+                      </a:ext>
+                    </a:extLst>
+                  </p:cNvPr>
+                  <p:cNvSpPr/>
+                  <p:nvPr/>
+                </p:nvSpPr>
+                <p:spPr>
+                  <a:xfrm>
+                    <a:off x="143435" y="-2737972"/>
+                    <a:ext cx="894790" cy="436870"/>
+                  </a:xfrm>
+                  <a:prstGeom prst="rect">
+                    <a:avLst/>
+                  </a:prstGeom>
+                  <a:noFill/>
+                  <a:ln w="19050">
+                    <a:solidFill>
+                      <a:schemeClr val="tx1"/>
+                    </a:solidFill>
+                  </a:ln>
+                </p:spPr>
+                <p:style>
+                  <a:lnRef idx="2">
+                    <a:schemeClr val="accent1">
+                      <a:shade val="15000"/>
+                    </a:schemeClr>
+                  </a:lnRef>
+                  <a:fillRef idx="1">
+                    <a:schemeClr val="accent1"/>
+                  </a:fillRef>
+                  <a:effectRef idx="0">
+                    <a:schemeClr val="accent1"/>
+                  </a:effectRef>
+                  <a:fontRef idx="minor">
+                    <a:schemeClr val="lt1"/>
+                  </a:fontRef>
+                </p:style>
+                <p:txBody>
+                  <a:bodyPr rtlCol="0" anchor="ctr"/>
+                  <a:lstStyle/>
+                  <a:p>
+                    <a:pPr algn="ctr"/>
+                    <a:endParaRPr lang="fr-FR"/>
+                  </a:p>
+                </p:txBody>
+              </p:sp>
+              <p:cxnSp>
+                <p:nvCxnSpPr>
+                  <p:cNvPr id="49" name="Connecteur droit 48">
+                    <a:extLst>
+                      <a:ext uri="{FF2B5EF4-FFF2-40B4-BE49-F238E27FC236}">
+                        <a16:creationId xmlns:a16="http://schemas.microsoft.com/office/drawing/2014/main" id="{21921AAC-78D5-5999-328A-45B815EF68BE}"/>
+                      </a:ext>
+                    </a:extLst>
+                  </p:cNvPr>
+                  <p:cNvCxnSpPr>
+                    <a:stCxn id="45" idx="0"/>
+                    <a:endCxn id="44" idx="2"/>
+                  </p:cNvCxnSpPr>
+                  <p:nvPr/>
+                </p:nvCxnSpPr>
+                <p:spPr>
+                  <a:xfrm>
+                    <a:off x="590830" y="-3189596"/>
+                    <a:ext cx="0" cy="1333767"/>
+                  </a:xfrm>
+                  <a:prstGeom prst="line">
+                    <a:avLst/>
+                  </a:prstGeom>
+                  <a:ln>
+                    <a:solidFill>
+                      <a:schemeClr val="tx1"/>
+                    </a:solidFill>
+                  </a:ln>
+                </p:spPr>
+                <p:style>
+                  <a:lnRef idx="2">
+                    <a:schemeClr val="accent1"/>
+                  </a:lnRef>
+                  <a:fillRef idx="0">
+                    <a:schemeClr val="accent1"/>
+                  </a:fillRef>
+                  <a:effectRef idx="1">
+                    <a:schemeClr val="accent1"/>
+                  </a:effectRef>
+                  <a:fontRef idx="minor">
+                    <a:schemeClr val="tx1"/>
+                  </a:fontRef>
+                </p:style>
+              </p:cxnSp>
+            </p:grpSp>
+            <p:sp>
+              <p:nvSpPr>
+                <p:cNvPr id="39" name="Ellipse 38">
+                  <a:extLst>
+                    <a:ext uri="{FF2B5EF4-FFF2-40B4-BE49-F238E27FC236}">
+                      <a16:creationId xmlns:a16="http://schemas.microsoft.com/office/drawing/2014/main" id="{E4D91F79-ABD4-8236-4E0F-46CD8551A20B}"/>
+                    </a:ext>
+                  </a:extLst>
+                </p:cNvPr>
+                <p:cNvSpPr/>
+                <p:nvPr/>
+              </p:nvSpPr>
+              <p:spPr>
+                <a:xfrm>
+                  <a:off x="26194" y="-7400748"/>
+                  <a:ext cx="1114425" cy="1085673"/>
+                </a:xfrm>
+                <a:prstGeom prst="ellipse">
+                  <a:avLst/>
+                </a:prstGeom>
+                <a:solidFill>
+                  <a:schemeClr val="bg1"/>
+                </a:solidFill>
+                <a:ln>
+                  <a:solidFill>
+                    <a:schemeClr val="tx1"/>
+                  </a:solidFill>
+                </a:ln>
+              </p:spPr>
+              <p:style>
+                <a:lnRef idx="2">
+                  <a:schemeClr val="accent1">
+                    <a:shade val="15000"/>
+                  </a:schemeClr>
+                </a:lnRef>
+                <a:fillRef idx="1">
+                  <a:schemeClr val="accent1"/>
+                </a:fillRef>
+                <a:effectRef idx="0">
+                  <a:schemeClr val="accent1"/>
+                </a:effectRef>
+                <a:fontRef idx="minor">
+                  <a:schemeClr val="lt1"/>
+                </a:fontRef>
+              </p:style>
+              <p:txBody>
+                <a:bodyPr rtlCol="0" anchor="ctr"/>
+                <a:lstStyle/>
+                <a:p>
+                  <a:pPr algn="ctr"/>
+                  <a:endParaRPr lang="fr-FR"/>
+                </a:p>
+              </p:txBody>
+            </p:sp>
+          </p:grpSp>
+          <p:sp>
+            <p:nvSpPr>
+              <p:cNvPr id="1025" name="Ellipse 1024">
+                <a:extLst>
+                  <a:ext uri="{FF2B5EF4-FFF2-40B4-BE49-F238E27FC236}">
+                    <a16:creationId xmlns:a16="http://schemas.microsoft.com/office/drawing/2014/main" id="{B9BFDD0A-E04E-99E5-4BF2-F987F5F605EB}"/>
+                  </a:ext>
+                </a:extLst>
+              </p:cNvPr>
+              <p:cNvSpPr>
+                <a:spLocks noChangeAspect="1"/>
+              </p:cNvSpPr>
+              <p:nvPr/>
+            </p:nvSpPr>
+            <p:spPr>
+              <a:xfrm>
+                <a:off x="570208" y="-8134919"/>
+                <a:ext cx="507848" cy="494745"/>
+              </a:xfrm>
+              <a:prstGeom prst="ellipse">
+                <a:avLst/>
+              </a:prstGeom>
+              <a:solidFill>
+                <a:schemeClr val="bg1"/>
+              </a:solidFill>
+              <a:ln>
+                <a:solidFill>
+                  <a:schemeClr val="tx1"/>
+                </a:solidFill>
+              </a:ln>
+            </p:spPr>
+            <p:style>
+              <a:lnRef idx="2">
+                <a:schemeClr val="accent1">
+                  <a:shade val="15000"/>
+                </a:schemeClr>
+              </a:lnRef>
+              <a:fillRef idx="1">
+                <a:schemeClr val="accent1"/>
+              </a:fillRef>
+              <a:effectRef idx="0">
+                <a:schemeClr val="accent1"/>
+              </a:effectRef>
+              <a:fontRef idx="minor">
+                <a:schemeClr val="lt1"/>
+              </a:fontRef>
+            </p:style>
+            <p:txBody>
+              <a:bodyPr rtlCol="0" anchor="ctr"/>
+              <a:lstStyle/>
+              <a:p>
+                <a:pPr algn="ctr"/>
+                <a:endParaRPr lang="fr-FR"/>
+              </a:p>
+            </p:txBody>
+          </p:sp>
+        </p:grpSp>
+        <p:sp>
+          <p:nvSpPr>
+            <p:cNvPr id="1034" name="Rectangle 1033">
+              <a:extLst>
+                <a:ext uri="{FF2B5EF4-FFF2-40B4-BE49-F238E27FC236}">
+                  <a16:creationId xmlns:a16="http://schemas.microsoft.com/office/drawing/2014/main" id="{5965EFCF-1037-8006-C26C-A139E39D8CBA}"/>
+                </a:ext>
+              </a:extLst>
+            </p:cNvPr>
+            <p:cNvSpPr/>
+            <p:nvPr/>
+          </p:nvSpPr>
+          <p:spPr>
+            <a:xfrm>
+              <a:off x="-332156" y="-6291098"/>
+              <a:ext cx="2232000" cy="594214"/>
+            </a:xfrm>
+            <a:prstGeom prst="rect">
+              <a:avLst/>
+            </a:prstGeom>
+            <a:solidFill>
+              <a:srgbClr val="00B050"/>
+            </a:solidFill>
+            <a:ln>
+              <a:noFill/>
+            </a:ln>
+          </p:spPr>
+          <p:style>
+            <a:lnRef idx="2">
+              <a:schemeClr val="accent1">
+                <a:shade val="15000"/>
+              </a:schemeClr>
+            </a:lnRef>
+            <a:fillRef idx="1">
+              <a:schemeClr val="accent1"/>
+            </a:fillRef>
+            <a:effectRef idx="0">
+              <a:schemeClr val="accent1"/>
+            </a:effectRef>
+            <a:fontRef idx="minor">
+              <a:schemeClr val="lt1"/>
+            </a:fontRef>
+          </p:style>
+          <p:txBody>
+            <a:bodyPr rtlCol="0" anchor="ctr"/>
+            <a:lstStyle/>
+            <a:p>
+              <a:pPr algn="ctr"/>
+              <a:endParaRPr lang="fr-FR"/>
+            </a:p>
+          </p:txBody>
+        </p:sp>
+      </p:grpSp>
+      <p:pic>
+        <p:nvPicPr>
+          <p:cNvPr id="8" name="Image 7">
+            <a:extLst>
+              <a:ext uri="{FF2B5EF4-FFF2-40B4-BE49-F238E27FC236}">
+                <a16:creationId xmlns:a16="http://schemas.microsoft.com/office/drawing/2014/main" id="{084826DD-2046-CEE2-0976-2E0EF245D847}"/>
+              </a:ext>
+            </a:extLst>
+          </p:cNvPr>
+          <p:cNvPicPr>
+            <a:picLocks noChangeAspect="1"/>
+          </p:cNvPicPr>
+          <p:nvPr/>
+        </p:nvPicPr>
+        <p:blipFill>
+          <a:blip r:embed="rId9"/>
+          <a:stretch>
+            <a:fillRect/>
+          </a:stretch>
+        </p:blipFill>
+        <p:spPr>
+          <a:xfrm>
+            <a:off x="7898381" y="1290459"/>
+            <a:ext cx="957760" cy="910753"/>
+          </a:xfrm>
+          <a:prstGeom prst="rect">
+            <a:avLst/>
+          </a:prstGeom>
+        </p:spPr>
+      </p:pic>
+      <p:pic>
+        <p:nvPicPr>
+          <p:cNvPr id="20" name="Image 19">
+            <a:extLst>
+              <a:ext uri="{FF2B5EF4-FFF2-40B4-BE49-F238E27FC236}">
+                <a16:creationId xmlns:a16="http://schemas.microsoft.com/office/drawing/2014/main" id="{12A2817C-0886-3B1A-2E9C-AD559743E345}"/>
+              </a:ext>
+            </a:extLst>
+          </p:cNvPr>
+          <p:cNvPicPr>
+            <a:picLocks noChangeAspect="1"/>
+          </p:cNvPicPr>
+          <p:nvPr/>
+        </p:nvPicPr>
+        <p:blipFill>
+          <a:blip r:embed="rId10">
+            <a:extLst>
+              <a:ext uri="{28A0092B-C50C-407E-A947-70E740481C1C}">
+                <a14:useLocalDpi xmlns:a14="http://schemas.microsoft.com/office/drawing/2010/main" val="0"/>
+              </a:ext>
+            </a:extLst>
+          </a:blip>
+          <a:stretch>
+            <a:fillRect/>
+          </a:stretch>
+        </p:blipFill>
+        <p:spPr>
+          <a:xfrm>
+            <a:off x="5333885" y="2285151"/>
+            <a:ext cx="2676899" cy="342948"/>
+          </a:xfrm>
+          <a:prstGeom prst="rect">
+            <a:avLst/>
+          </a:prstGeom>
+        </p:spPr>
+      </p:pic>
+      <p:pic>
+        <p:nvPicPr>
+          <p:cNvPr id="25" name="Image 24">
+            <a:extLst>
+              <a:ext uri="{FF2B5EF4-FFF2-40B4-BE49-F238E27FC236}">
+                <a16:creationId xmlns:a16="http://schemas.microsoft.com/office/drawing/2014/main" id="{0B7042B2-45C0-45D0-A804-4DD7B2A537CF}"/>
+              </a:ext>
+            </a:extLst>
+          </p:cNvPr>
+          <p:cNvPicPr>
+            <a:picLocks noChangeAspect="1"/>
+          </p:cNvPicPr>
+          <p:nvPr/>
+        </p:nvPicPr>
+        <p:blipFill>
+          <a:blip r:embed="rId11">
+            <a:extLst>
+              <a:ext uri="{28A0092B-C50C-407E-A947-70E740481C1C}">
+                <a14:useLocalDpi xmlns:a14="http://schemas.microsoft.com/office/drawing/2010/main" val="0"/>
+              </a:ext>
+            </a:extLst>
+          </a:blip>
+          <a:stretch>
+            <a:fillRect/>
+          </a:stretch>
+        </p:blipFill>
+        <p:spPr>
+          <a:xfrm>
+            <a:off x="5366615" y="3917435"/>
+            <a:ext cx="2676190" cy="342857"/>
+          </a:xfrm>
+          <a:prstGeom prst="rect">
+            <a:avLst/>
+          </a:prstGeom>
+        </p:spPr>
+      </p:pic>
+      <p:pic>
+        <p:nvPicPr>
+          <p:cNvPr id="27" name="Image 26">
+            <a:extLst>
+              <a:ext uri="{FF2B5EF4-FFF2-40B4-BE49-F238E27FC236}">
+                <a16:creationId xmlns:a16="http://schemas.microsoft.com/office/drawing/2014/main" id="{B02D21F2-6EE3-BDCC-0D8B-1CDF21AF9C86}"/>
+              </a:ext>
+            </a:extLst>
+          </p:cNvPr>
+          <p:cNvPicPr>
+            <a:picLocks noChangeAspect="1"/>
+          </p:cNvPicPr>
+          <p:nvPr/>
+        </p:nvPicPr>
+        <p:blipFill>
+          <a:blip r:embed="rId12">
+            <a:extLst>
+              <a:ext uri="{28A0092B-C50C-407E-A947-70E740481C1C}">
+                <a14:useLocalDpi xmlns:a14="http://schemas.microsoft.com/office/drawing/2010/main" val="0"/>
+              </a:ext>
+            </a:extLst>
+          </a:blip>
+          <a:stretch>
+            <a:fillRect/>
+          </a:stretch>
+        </p:blipFill>
+        <p:spPr>
+          <a:xfrm>
+            <a:off x="5366615" y="5125199"/>
+            <a:ext cx="2676190" cy="1428571"/>
+          </a:xfrm>
+          <a:prstGeom prst="rect">
+            <a:avLst/>
+          </a:prstGeom>
+        </p:spPr>
+      </p:pic>
+      <p:pic>
+        <p:nvPicPr>
+          <p:cNvPr id="28" name="Image 27">
+            <a:extLst>
+              <a:ext uri="{FF2B5EF4-FFF2-40B4-BE49-F238E27FC236}">
+                <a16:creationId xmlns:a16="http://schemas.microsoft.com/office/drawing/2014/main" id="{2DED3B18-A493-D10E-7609-2AD11F0CFED5}"/>
+              </a:ext>
+            </a:extLst>
+          </p:cNvPr>
+          <p:cNvPicPr>
+            <a:picLocks noChangeAspect="1"/>
+          </p:cNvPicPr>
+          <p:nvPr/>
+        </p:nvPicPr>
+        <p:blipFill>
+          <a:blip r:embed="rId9"/>
+          <a:stretch>
+            <a:fillRect/>
+          </a:stretch>
+        </p:blipFill>
+        <p:spPr>
+          <a:xfrm>
+            <a:off x="7181579" y="2828121"/>
+            <a:ext cx="957760" cy="910753"/>
+          </a:xfrm>
+          <a:prstGeom prst="rect">
+            <a:avLst/>
+          </a:prstGeom>
+        </p:spPr>
+      </p:pic>
+      <p:pic>
+        <p:nvPicPr>
+          <p:cNvPr id="30" name="Image 29" descr="Une image contenant noir, obscurité&#10;&#10;Description générée automatiquement">
+            <a:extLst>
+              <a:ext uri="{FF2B5EF4-FFF2-40B4-BE49-F238E27FC236}">
+                <a16:creationId xmlns:a16="http://schemas.microsoft.com/office/drawing/2014/main" id="{99C5CADD-328C-BF2B-218B-518CD1EAB730}"/>
+              </a:ext>
+            </a:extLst>
+          </p:cNvPr>
+          <p:cNvPicPr>
+            <a:picLocks noChangeAspect="1"/>
+          </p:cNvPicPr>
+          <p:nvPr/>
+        </p:nvPicPr>
+        <p:blipFill>
+          <a:blip r:embed="rId8">
+            <a:extLst>
+              <a:ext uri="{28A0092B-C50C-407E-A947-70E740481C1C}">
+                <a14:useLocalDpi xmlns:a14="http://schemas.microsoft.com/office/drawing/2010/main" val="0"/>
+              </a:ext>
+            </a:extLst>
+          </a:blip>
+          <a:stretch>
+            <a:fillRect/>
+          </a:stretch>
+        </p:blipFill>
+        <p:spPr>
+          <a:xfrm>
+            <a:off x="5457123" y="2873280"/>
+            <a:ext cx="783915" cy="820433"/>
+          </a:xfrm>
+          <a:prstGeom prst="rect">
+            <a:avLst/>
+          </a:prstGeom>
+        </p:spPr>
+      </p:pic>
+      <p:pic>
+        <p:nvPicPr>
+          <p:cNvPr id="32" name="Image 31">
+            <a:extLst>
+              <a:ext uri="{FF2B5EF4-FFF2-40B4-BE49-F238E27FC236}">
+                <a16:creationId xmlns:a16="http://schemas.microsoft.com/office/drawing/2014/main" id="{B9E51B90-DD4C-406E-2498-C5337E816B7B}"/>
+              </a:ext>
+            </a:extLst>
+          </p:cNvPr>
+          <p:cNvPicPr>
+            <a:picLocks noChangeAspect="1"/>
+          </p:cNvPicPr>
+          <p:nvPr/>
+        </p:nvPicPr>
+        <p:blipFill>
+          <a:blip r:embed="rId9"/>
+          <a:stretch>
+            <a:fillRect/>
+          </a:stretch>
+        </p:blipFill>
+        <p:spPr>
+          <a:xfrm>
+            <a:off x="6345806" y="4228701"/>
+            <a:ext cx="957760" cy="910753"/>
+          </a:xfrm>
+          <a:prstGeom prst="rect">
+            <a:avLst/>
+          </a:prstGeom>
+        </p:spPr>
+      </p:pic>
+      <p:pic>
+        <p:nvPicPr>
+          <p:cNvPr id="31" name="Image 30" descr="Une image contenant noir, obscurité&#10;&#10;Description générée automatiquement">
+            <a:extLst>
+              <a:ext uri="{FF2B5EF4-FFF2-40B4-BE49-F238E27FC236}">
+                <a16:creationId xmlns:a16="http://schemas.microsoft.com/office/drawing/2014/main" id="{9955967A-11D4-E7A6-8308-4E70A0D3D54B}"/>
+              </a:ext>
+            </a:extLst>
+          </p:cNvPr>
+          <p:cNvPicPr>
+            <a:picLocks noChangeAspect="1"/>
+          </p:cNvPicPr>
+          <p:nvPr/>
+        </p:nvPicPr>
+        <p:blipFill>
+          <a:blip r:embed="rId8">
+            <a:extLst>
+              <a:ext uri="{28A0092B-C50C-407E-A947-70E740481C1C}">
+                <a14:useLocalDpi xmlns:a14="http://schemas.microsoft.com/office/drawing/2010/main" val="0"/>
+              </a:ext>
+            </a:extLst>
+          </a:blip>
+          <a:stretch>
+            <a:fillRect/>
+          </a:stretch>
+        </p:blipFill>
+        <p:spPr>
+          <a:xfrm>
+            <a:off x="6123815" y="4347790"/>
+            <a:ext cx="783915" cy="820433"/>
+          </a:xfrm>
+          <a:prstGeom prst="rect">
+            <a:avLst/>
+          </a:prstGeom>
+        </p:spPr>
+      </p:pic>
+    </p:spTree>
+    <p:extLst>
+      <p:ext uri="{BB962C8B-B14F-4D97-AF65-F5344CB8AC3E}">
+        <p14:creationId xmlns:p14="http://schemas.microsoft.com/office/powerpoint/2010/main" val="1969232653"/>
+      </p:ext>
+    </p:extLst>
+  </p:cSld>
+  <p:clrMapOvr>
+    <a:masterClrMapping/>
+  </p:clrMapOvr>
+</p:sld>
+</file>
+
 <file path=ppt/theme/theme1.xml><?xml version="1.0" encoding="utf-8"?>
 <a:theme xmlns:a="http://schemas.openxmlformats.org/drawingml/2006/main" name="Thème Office">
   <a:themeElements>

--- a/Images/FEDRA.pptx
+++ b/Images/FEDRA.pptx
@@ -244,7 +244,7 @@
           <a:p>
             <a:fld id="{953F6E52-2D55-406E-9958-5459233ECEE5}" type="datetimeFigureOut">
               <a:rPr lang="fr-FR" smtClean="0"/>
-              <a:t>18/09/2024</a:t>
+              <a:t>22/09/2024</a:t>
             </a:fld>
             <a:endParaRPr lang="fr-FR"/>
           </a:p>
@@ -414,7 +414,7 @@
           <a:p>
             <a:fld id="{953F6E52-2D55-406E-9958-5459233ECEE5}" type="datetimeFigureOut">
               <a:rPr lang="fr-FR" smtClean="0"/>
-              <a:t>18/09/2024</a:t>
+              <a:t>22/09/2024</a:t>
             </a:fld>
             <a:endParaRPr lang="fr-FR"/>
           </a:p>
@@ -594,7 +594,7 @@
           <a:p>
             <a:fld id="{953F6E52-2D55-406E-9958-5459233ECEE5}" type="datetimeFigureOut">
               <a:rPr lang="fr-FR" smtClean="0"/>
-              <a:t>18/09/2024</a:t>
+              <a:t>22/09/2024</a:t>
             </a:fld>
             <a:endParaRPr lang="fr-FR"/>
           </a:p>
@@ -764,7 +764,7 @@
           <a:p>
             <a:fld id="{953F6E52-2D55-406E-9958-5459233ECEE5}" type="datetimeFigureOut">
               <a:rPr lang="fr-FR" smtClean="0"/>
-              <a:t>18/09/2024</a:t>
+              <a:t>22/09/2024</a:t>
             </a:fld>
             <a:endParaRPr lang="fr-FR"/>
           </a:p>
@@ -1010,7 +1010,7 @@
           <a:p>
             <a:fld id="{953F6E52-2D55-406E-9958-5459233ECEE5}" type="datetimeFigureOut">
               <a:rPr lang="fr-FR" smtClean="0"/>
-              <a:t>18/09/2024</a:t>
+              <a:t>22/09/2024</a:t>
             </a:fld>
             <a:endParaRPr lang="fr-FR"/>
           </a:p>
@@ -1242,7 +1242,7 @@
           <a:p>
             <a:fld id="{953F6E52-2D55-406E-9958-5459233ECEE5}" type="datetimeFigureOut">
               <a:rPr lang="fr-FR" smtClean="0"/>
-              <a:t>18/09/2024</a:t>
+              <a:t>22/09/2024</a:t>
             </a:fld>
             <a:endParaRPr lang="fr-FR"/>
           </a:p>
@@ -1609,7 +1609,7 @@
           <a:p>
             <a:fld id="{953F6E52-2D55-406E-9958-5459233ECEE5}" type="datetimeFigureOut">
               <a:rPr lang="fr-FR" smtClean="0"/>
-              <a:t>18/09/2024</a:t>
+              <a:t>22/09/2024</a:t>
             </a:fld>
             <a:endParaRPr lang="fr-FR"/>
           </a:p>
@@ -1727,7 +1727,7 @@
           <a:p>
             <a:fld id="{953F6E52-2D55-406E-9958-5459233ECEE5}" type="datetimeFigureOut">
               <a:rPr lang="fr-FR" smtClean="0"/>
-              <a:t>18/09/2024</a:t>
+              <a:t>22/09/2024</a:t>
             </a:fld>
             <a:endParaRPr lang="fr-FR"/>
           </a:p>
@@ -1822,7 +1822,7 @@
           <a:p>
             <a:fld id="{953F6E52-2D55-406E-9958-5459233ECEE5}" type="datetimeFigureOut">
               <a:rPr lang="fr-FR" smtClean="0"/>
-              <a:t>18/09/2024</a:t>
+              <a:t>22/09/2024</a:t>
             </a:fld>
             <a:endParaRPr lang="fr-FR"/>
           </a:p>
@@ -2099,7 +2099,7 @@
           <a:p>
             <a:fld id="{953F6E52-2D55-406E-9958-5459233ECEE5}" type="datetimeFigureOut">
               <a:rPr lang="fr-FR" smtClean="0"/>
-              <a:t>18/09/2024</a:t>
+              <a:t>22/09/2024</a:t>
             </a:fld>
             <a:endParaRPr lang="fr-FR"/>
           </a:p>
@@ -2356,7 +2356,7 @@
           <a:p>
             <a:fld id="{953F6E52-2D55-406E-9958-5459233ECEE5}" type="datetimeFigureOut">
               <a:rPr lang="fr-FR" smtClean="0"/>
-              <a:t>18/09/2024</a:t>
+              <a:t>22/09/2024</a:t>
             </a:fld>
             <a:endParaRPr lang="fr-FR"/>
           </a:p>
@@ -2569,7 +2569,7 @@
           <a:p>
             <a:fld id="{953F6E52-2D55-406E-9958-5459233ECEE5}" type="datetimeFigureOut">
               <a:rPr lang="fr-FR" smtClean="0"/>
-              <a:t>18/09/2024</a:t>
+              <a:t>22/09/2024</a:t>
             </a:fld>
             <a:endParaRPr lang="fr-FR"/>
           </a:p>
@@ -4766,6 +4766,36 @@
           <a:chExt cx="0" cy="0"/>
         </a:xfrm>
       </p:grpSpPr>
+      <p:pic>
+        <p:nvPicPr>
+          <p:cNvPr id="3" name="Image 2">
+            <a:extLst>
+              <a:ext uri="{FF2B5EF4-FFF2-40B4-BE49-F238E27FC236}">
+                <a16:creationId xmlns:a16="http://schemas.microsoft.com/office/drawing/2014/main" id="{1AA0FC63-7733-0B2E-1248-F37DCD7456E0}"/>
+              </a:ext>
+            </a:extLst>
+          </p:cNvPr>
+          <p:cNvPicPr>
+            <a:picLocks noChangeAspect="1"/>
+          </p:cNvPicPr>
+          <p:nvPr/>
+        </p:nvPicPr>
+        <p:blipFill>
+          <a:blip r:embed="rId2"/>
+          <a:stretch>
+            <a:fillRect/>
+          </a:stretch>
+        </p:blipFill>
+        <p:spPr>
+          <a:xfrm>
+            <a:off x="5375758" y="5064923"/>
+            <a:ext cx="2676527" cy="1428750"/>
+          </a:xfrm>
+          <a:prstGeom prst="rect">
+            <a:avLst/>
+          </a:prstGeom>
+        </p:spPr>
+      </p:pic>
       <p:sp>
         <p:nvSpPr>
           <p:cNvPr id="6" name="Rectangle 5">
@@ -4834,7 +4864,7 @@
           <p:nvPr/>
         </p:nvPicPr>
         <p:blipFill>
-          <a:blip r:embed="rId2">
+          <a:blip r:embed="rId3">
             <a:extLst>
               <a:ext uri="{28A0092B-C50C-407E-A947-70E740481C1C}">
                 <a14:useLocalDpi xmlns:a14="http://schemas.microsoft.com/office/drawing/2010/main" val="0"/>
@@ -4928,7 +4958,7 @@
           <p:nvPr/>
         </p:nvPicPr>
         <p:blipFill>
-          <a:blip r:embed="rId3">
+          <a:blip r:embed="rId4">
             <a:extLst>
               <a:ext uri="{28A0092B-C50C-407E-A947-70E740481C1C}">
                 <a14:useLocalDpi xmlns:a14="http://schemas.microsoft.com/office/drawing/2010/main" val="0"/>
@@ -4964,7 +4994,7 @@
           <p:nvPr/>
         </p:nvPicPr>
         <p:blipFill>
-          <a:blip r:embed="rId4"/>
+          <a:blip r:embed="rId5"/>
           <a:stretch>
             <a:fillRect/>
           </a:stretch>
@@ -5251,7 +5281,7 @@
           <p:nvPr/>
         </p:nvPicPr>
         <p:blipFill>
-          <a:blip r:embed="rId5"/>
+          <a:blip r:embed="rId6"/>
           <a:stretch>
             <a:fillRect/>
           </a:stretch>
@@ -5272,42 +5302,6 @@
             <a:extLst>
               <a:ext uri="{FF2B5EF4-FFF2-40B4-BE49-F238E27FC236}">
                 <a16:creationId xmlns:a16="http://schemas.microsoft.com/office/drawing/2014/main" id="{8E1745AE-1801-3D30-83FD-5E3A4C93F03F}"/>
-              </a:ext>
-            </a:extLst>
-          </p:cNvPr>
-          <p:cNvPicPr>
-            <a:picLocks noChangeAspect="1"/>
-          </p:cNvPicPr>
-          <p:nvPr/>
-        </p:nvPicPr>
-        <p:blipFill>
-          <a:blip r:embed="rId6">
-            <a:extLst>
-              <a:ext uri="{28A0092B-C50C-407E-A947-70E740481C1C}">
-                <a14:useLocalDpi xmlns:a14="http://schemas.microsoft.com/office/drawing/2010/main" val="0"/>
-              </a:ext>
-            </a:extLst>
-          </a:blip>
-          <a:stretch>
-            <a:fillRect/>
-          </a:stretch>
-        </p:blipFill>
-        <p:spPr>
-          <a:xfrm>
-            <a:off x="3752579" y="-7785282"/>
-            <a:ext cx="6858000" cy="6858000"/>
-          </a:xfrm>
-          <a:prstGeom prst="rect">
-            <a:avLst/>
-          </a:prstGeom>
-        </p:spPr>
-      </p:pic>
-      <p:pic>
-        <p:nvPicPr>
-          <p:cNvPr id="53" name="Image 52" descr="Une image contenant capture d’écran, Modélisation 3D&#10;&#10;Description générée automatiquement">
-            <a:extLst>
-              <a:ext uri="{FF2B5EF4-FFF2-40B4-BE49-F238E27FC236}">
-                <a16:creationId xmlns:a16="http://schemas.microsoft.com/office/drawing/2014/main" id="{F14B49EE-D55B-6AF1-B7D9-F54A70AF4F26}"/>
               </a:ext>
             </a:extLst>
           </p:cNvPr>
@@ -5330,6 +5324,42 @@
         </p:blipFill>
         <p:spPr>
           <a:xfrm>
+            <a:off x="3752579" y="-7785282"/>
+            <a:ext cx="6858000" cy="6858000"/>
+          </a:xfrm>
+          <a:prstGeom prst="rect">
+            <a:avLst/>
+          </a:prstGeom>
+        </p:spPr>
+      </p:pic>
+      <p:pic>
+        <p:nvPicPr>
+          <p:cNvPr id="53" name="Image 52" descr="Une image contenant capture d’écran, Modélisation 3D&#10;&#10;Description générée automatiquement">
+            <a:extLst>
+              <a:ext uri="{FF2B5EF4-FFF2-40B4-BE49-F238E27FC236}">
+                <a16:creationId xmlns:a16="http://schemas.microsoft.com/office/drawing/2014/main" id="{F14B49EE-D55B-6AF1-B7D9-F54A70AF4F26}"/>
+              </a:ext>
+            </a:extLst>
+          </p:cNvPr>
+          <p:cNvPicPr>
+            <a:picLocks noChangeAspect="1"/>
+          </p:cNvPicPr>
+          <p:nvPr/>
+        </p:nvPicPr>
+        <p:blipFill>
+          <a:blip r:embed="rId8">
+            <a:extLst>
+              <a:ext uri="{28A0092B-C50C-407E-A947-70E740481C1C}">
+                <a14:useLocalDpi xmlns:a14="http://schemas.microsoft.com/office/drawing/2010/main" val="0"/>
+              </a:ext>
+            </a:extLst>
+          </a:blip>
+          <a:stretch>
+            <a:fillRect/>
+          </a:stretch>
+        </p:blipFill>
+        <p:spPr>
+          <a:xfrm>
             <a:off x="12887458" y="-6012409"/>
             <a:ext cx="6858000" cy="6858000"/>
           </a:xfrm>
@@ -5353,7 +5383,7 @@
           <p:nvPr/>
         </p:nvPicPr>
         <p:blipFill>
-          <a:blip r:embed="rId8">
+          <a:blip r:embed="rId9">
             <a:extLst>
               <a:ext uri="{28A0092B-C50C-407E-A947-70E740481C1C}">
                 <a14:useLocalDpi xmlns:a14="http://schemas.microsoft.com/office/drawing/2010/main" val="0"/>
@@ -6159,7 +6189,7 @@
           <p:nvPr/>
         </p:nvPicPr>
         <p:blipFill>
-          <a:blip r:embed="rId9"/>
+          <a:blip r:embed="rId10"/>
           <a:stretch>
             <a:fillRect/>
           </a:stretch>
@@ -6180,42 +6210,6 @@
             <a:extLst>
               <a:ext uri="{FF2B5EF4-FFF2-40B4-BE49-F238E27FC236}">
                 <a16:creationId xmlns:a16="http://schemas.microsoft.com/office/drawing/2014/main" id="{12A2817C-0886-3B1A-2E9C-AD559743E345}"/>
-              </a:ext>
-            </a:extLst>
-          </p:cNvPr>
-          <p:cNvPicPr>
-            <a:picLocks noChangeAspect="1"/>
-          </p:cNvPicPr>
-          <p:nvPr/>
-        </p:nvPicPr>
-        <p:blipFill>
-          <a:blip r:embed="rId10">
-            <a:extLst>
-              <a:ext uri="{28A0092B-C50C-407E-A947-70E740481C1C}">
-                <a14:useLocalDpi xmlns:a14="http://schemas.microsoft.com/office/drawing/2010/main" val="0"/>
-              </a:ext>
-            </a:extLst>
-          </a:blip>
-          <a:stretch>
-            <a:fillRect/>
-          </a:stretch>
-        </p:blipFill>
-        <p:spPr>
-          <a:xfrm>
-            <a:off x="5333885" y="2285151"/>
-            <a:ext cx="2676899" cy="342948"/>
-          </a:xfrm>
-          <a:prstGeom prst="rect">
-            <a:avLst/>
-          </a:prstGeom>
-        </p:spPr>
-      </p:pic>
-      <p:pic>
-        <p:nvPicPr>
-          <p:cNvPr id="25" name="Image 24">
-            <a:extLst>
-              <a:ext uri="{FF2B5EF4-FFF2-40B4-BE49-F238E27FC236}">
-                <a16:creationId xmlns:a16="http://schemas.microsoft.com/office/drawing/2014/main" id="{0B7042B2-45C0-45D0-A804-4DD7B2A537CF}"/>
               </a:ext>
             </a:extLst>
           </p:cNvPr>
@@ -6238,8 +6232,8 @@
         </p:blipFill>
         <p:spPr>
           <a:xfrm>
-            <a:off x="5366615" y="3917435"/>
-            <a:ext cx="2676190" cy="342857"/>
+            <a:off x="5333885" y="2285151"/>
+            <a:ext cx="2676899" cy="342948"/>
           </a:xfrm>
           <a:prstGeom prst="rect">
             <a:avLst/>
@@ -6248,10 +6242,10 @@
       </p:pic>
       <p:pic>
         <p:nvPicPr>
-          <p:cNvPr id="27" name="Image 26">
+          <p:cNvPr id="25" name="Image 24">
             <a:extLst>
               <a:ext uri="{FF2B5EF4-FFF2-40B4-BE49-F238E27FC236}">
-                <a16:creationId xmlns:a16="http://schemas.microsoft.com/office/drawing/2014/main" id="{B02D21F2-6EE3-BDCC-0D8B-1CDF21AF9C86}"/>
+                <a16:creationId xmlns:a16="http://schemas.microsoft.com/office/drawing/2014/main" id="{0B7042B2-45C0-45D0-A804-4DD7B2A537CF}"/>
               </a:ext>
             </a:extLst>
           </p:cNvPr>
@@ -6274,8 +6268,8 @@
         </p:blipFill>
         <p:spPr>
           <a:xfrm>
-            <a:off x="5366615" y="5125199"/>
-            <a:ext cx="2676190" cy="1428571"/>
+            <a:off x="5366615" y="3917435"/>
+            <a:ext cx="2676190" cy="342857"/>
           </a:xfrm>
           <a:prstGeom prst="rect">
             <a:avLst/>
@@ -6297,7 +6291,7 @@
           <p:nvPr/>
         </p:nvPicPr>
         <p:blipFill>
-          <a:blip r:embed="rId9"/>
+          <a:blip r:embed="rId10"/>
           <a:stretch>
             <a:fillRect/>
           </a:stretch>
@@ -6327,7 +6321,7 @@
           <p:nvPr/>
         </p:nvPicPr>
         <p:blipFill>
-          <a:blip r:embed="rId8">
+          <a:blip r:embed="rId9">
             <a:extLst>
               <a:ext uri="{28A0092B-C50C-407E-A947-70E740481C1C}">
                 <a14:useLocalDpi xmlns:a14="http://schemas.microsoft.com/office/drawing/2010/main" val="0"/>
@@ -6363,7 +6357,7 @@
           <p:nvPr/>
         </p:nvPicPr>
         <p:blipFill>
-          <a:blip r:embed="rId9"/>
+          <a:blip r:embed="rId10"/>
           <a:stretch>
             <a:fillRect/>
           </a:stretch>
@@ -6393,7 +6387,7 @@
           <p:nvPr/>
         </p:nvPicPr>
         <p:blipFill>
-          <a:blip r:embed="rId8">
+          <a:blip r:embed="rId9">
             <a:extLst>
               <a:ext uri="{28A0092B-C50C-407E-A947-70E740481C1C}">
                 <a14:useLocalDpi xmlns:a14="http://schemas.microsoft.com/office/drawing/2010/main" val="0"/>
